--- a/resource/サポートベクターマシン(SVM).pptx
+++ b/resource/サポートベクターマシン(SVM).pptx
@@ -24,6 +24,8 @@
     <p:sldId id="271" r:id="rId18"/>
     <p:sldId id="274" r:id="rId19"/>
     <p:sldId id="275" r:id="rId20"/>
+    <p:sldId id="277" r:id="rId21"/>
+    <p:sldId id="276" r:id="rId22"/>
   </p:sldIdLst>
   <p:sldSz cx="12192000" cy="6858000"/>
   <p:notesSz cx="6858000" cy="9144000"/>
@@ -132,166 +134,6 @@
 
 <file path=ppt/changesInfos/changesInfo1.xml><?xml version="1.0" encoding="utf-8"?>
 <pc:chgInfo xmlns:a="http://schemas.openxmlformats.org/drawingml/2006/main" xmlns:r="http://schemas.openxmlformats.org/officeDocument/2006/relationships" xmlns:ac="http://schemas.microsoft.com/office/drawing/2013/main/command" xmlns:pc="http://schemas.microsoft.com/office/powerpoint/2013/main/command">
-  <pc:docChgLst>
-    <pc:chgData name="Kawai, Harunori/河井 遥範" userId="93c2c9f4-6164-4ba9-9002-9d68105c42e4" providerId="ADAL" clId="{7F626282-3ACC-4A0B-9D71-9E8F65F89D36}"/>
-    <pc:docChg chg="undo custSel addSld delSld modSld">
-      <pc:chgData name="Kawai, Harunori/河井 遥範" userId="93c2c9f4-6164-4ba9-9002-9d68105c42e4" providerId="ADAL" clId="{7F626282-3ACC-4A0B-9D71-9E8F65F89D36}" dt="2022-08-06T07:56:24.997" v="3111" actId="20577"/>
-      <pc:docMkLst>
-        <pc:docMk/>
-      </pc:docMkLst>
-      <pc:sldChg chg="modSp mod">
-        <pc:chgData name="Kawai, Harunori/河井 遥範" userId="93c2c9f4-6164-4ba9-9002-9d68105c42e4" providerId="ADAL" clId="{7F626282-3ACC-4A0B-9D71-9E8F65F89D36}" dt="2022-08-06T06:50:45.937" v="1044" actId="27636"/>
-        <pc:sldMkLst>
-          <pc:docMk/>
-          <pc:sldMk cId="2803321174" sldId="257"/>
-        </pc:sldMkLst>
-        <pc:spChg chg="mod">
-          <ac:chgData name="Kawai, Harunori/河井 遥範" userId="93c2c9f4-6164-4ba9-9002-9d68105c42e4" providerId="ADAL" clId="{7F626282-3ACC-4A0B-9D71-9E8F65F89D36}" dt="2022-08-06T06:40:31.100" v="86" actId="20577"/>
-          <ac:spMkLst>
-            <pc:docMk/>
-            <pc:sldMk cId="2803321174" sldId="257"/>
-            <ac:spMk id="2" creationId="{92D60AF6-47E9-4957-833B-B5A13E1A1BC3}"/>
-          </ac:spMkLst>
-        </pc:spChg>
-        <pc:spChg chg="mod">
-          <ac:chgData name="Kawai, Harunori/河井 遥範" userId="93c2c9f4-6164-4ba9-9002-9d68105c42e4" providerId="ADAL" clId="{7F626282-3ACC-4A0B-9D71-9E8F65F89D36}" dt="2022-08-06T06:50:45.937" v="1044" actId="27636"/>
-          <ac:spMkLst>
-            <pc:docMk/>
-            <pc:sldMk cId="2803321174" sldId="257"/>
-            <ac:spMk id="3" creationId="{1FC43449-9F9E-4D9E-8354-690CC5179C29}"/>
-          </ac:spMkLst>
-        </pc:spChg>
-      </pc:sldChg>
-      <pc:sldChg chg="modSp new mod">
-        <pc:chgData name="Kawai, Harunori/河井 遥範" userId="93c2c9f4-6164-4ba9-9002-9d68105c42e4" providerId="ADAL" clId="{7F626282-3ACC-4A0B-9D71-9E8F65F89D36}" dt="2022-08-06T06:41:46.635" v="372" actId="20577"/>
-        <pc:sldMkLst>
-          <pc:docMk/>
-          <pc:sldMk cId="174377342" sldId="258"/>
-        </pc:sldMkLst>
-        <pc:spChg chg="mod">
-          <ac:chgData name="Kawai, Harunori/河井 遥範" userId="93c2c9f4-6164-4ba9-9002-9d68105c42e4" providerId="ADAL" clId="{7F626282-3ACC-4A0B-9D71-9E8F65F89D36}" dt="2022-08-06T06:40:21.325" v="62" actId="20577"/>
-          <ac:spMkLst>
-            <pc:docMk/>
-            <pc:sldMk cId="174377342" sldId="258"/>
-            <ac:spMk id="2" creationId="{A94DB91A-05F6-424A-B948-C9C88D51DAC2}"/>
-          </ac:spMkLst>
-        </pc:spChg>
-        <pc:spChg chg="mod">
-          <ac:chgData name="Kawai, Harunori/河井 遥範" userId="93c2c9f4-6164-4ba9-9002-9d68105c42e4" providerId="ADAL" clId="{7F626282-3ACC-4A0B-9D71-9E8F65F89D36}" dt="2022-08-06T06:41:46.635" v="372" actId="20577"/>
-          <ac:spMkLst>
-            <pc:docMk/>
-            <pc:sldMk cId="174377342" sldId="258"/>
-            <ac:spMk id="3" creationId="{A64C0ED1-DE7C-4A16-9F3C-12D2840715A0}"/>
-          </ac:spMkLst>
-        </pc:spChg>
-      </pc:sldChg>
-      <pc:sldChg chg="new del">
-        <pc:chgData name="Kawai, Harunori/河井 遥範" userId="93c2c9f4-6164-4ba9-9002-9d68105c42e4" providerId="ADAL" clId="{7F626282-3ACC-4A0B-9D71-9E8F65F89D36}" dt="2022-08-06T06:51:03.863" v="1048" actId="680"/>
-        <pc:sldMkLst>
-          <pc:docMk/>
-          <pc:sldMk cId="412912813" sldId="259"/>
-        </pc:sldMkLst>
-      </pc:sldChg>
-      <pc:sldChg chg="new del">
-        <pc:chgData name="Kawai, Harunori/河井 遥範" userId="93c2c9f4-6164-4ba9-9002-9d68105c42e4" providerId="ADAL" clId="{7F626282-3ACC-4A0B-9D71-9E8F65F89D36}" dt="2022-08-06T06:51:07.363" v="1050" actId="680"/>
-        <pc:sldMkLst>
-          <pc:docMk/>
-          <pc:sldMk cId="1082049308" sldId="259"/>
-        </pc:sldMkLst>
-      </pc:sldChg>
-      <pc:sldChg chg="modSp new mod">
-        <pc:chgData name="Kawai, Harunori/河井 遥範" userId="93c2c9f4-6164-4ba9-9002-9d68105c42e4" providerId="ADAL" clId="{7F626282-3ACC-4A0B-9D71-9E8F65F89D36}" dt="2022-08-06T07:47:57.821" v="2588" actId="14100"/>
-        <pc:sldMkLst>
-          <pc:docMk/>
-          <pc:sldMk cId="1868898715" sldId="259"/>
-        </pc:sldMkLst>
-        <pc:spChg chg="mod">
-          <ac:chgData name="Kawai, Harunori/河井 遥範" userId="93c2c9f4-6164-4ba9-9002-9d68105c42e4" providerId="ADAL" clId="{7F626282-3ACC-4A0B-9D71-9E8F65F89D36}" dt="2022-08-06T06:51:14.089" v="1068" actId="20577"/>
-          <ac:spMkLst>
-            <pc:docMk/>
-            <pc:sldMk cId="1868898715" sldId="259"/>
-            <ac:spMk id="2" creationId="{E0D30D41-4C54-4389-BE97-10D3CBC652D9}"/>
-          </ac:spMkLst>
-        </pc:spChg>
-        <pc:spChg chg="mod">
-          <ac:chgData name="Kawai, Harunori/河井 遥範" userId="93c2c9f4-6164-4ba9-9002-9d68105c42e4" providerId="ADAL" clId="{7F626282-3ACC-4A0B-9D71-9E8F65F89D36}" dt="2022-08-06T07:47:57.821" v="2588" actId="14100"/>
-          <ac:spMkLst>
-            <pc:docMk/>
-            <pc:sldMk cId="1868898715" sldId="259"/>
-            <ac:spMk id="3" creationId="{CC386367-1FB0-4523-9282-844E528683BC}"/>
-          </ac:spMkLst>
-        </pc:spChg>
-      </pc:sldChg>
-      <pc:sldChg chg="new del">
-        <pc:chgData name="Kawai, Harunori/河井 遥範" userId="93c2c9f4-6164-4ba9-9002-9d68105c42e4" providerId="ADAL" clId="{7F626282-3ACC-4A0B-9D71-9E8F65F89D36}" dt="2022-08-06T06:50:58.845" v="1046" actId="680"/>
-        <pc:sldMkLst>
-          <pc:docMk/>
-          <pc:sldMk cId="1970402028" sldId="259"/>
-        </pc:sldMkLst>
-      </pc:sldChg>
-      <pc:sldChg chg="modSp new mod">
-        <pc:chgData name="Kawai, Harunori/河井 遥範" userId="93c2c9f4-6164-4ba9-9002-9d68105c42e4" providerId="ADAL" clId="{7F626282-3ACC-4A0B-9D71-9E8F65F89D36}" dt="2022-08-06T07:54:28.816" v="3006"/>
-        <pc:sldMkLst>
-          <pc:docMk/>
-          <pc:sldMk cId="1015839956" sldId="260"/>
-        </pc:sldMkLst>
-        <pc:spChg chg="mod">
-          <ac:chgData name="Kawai, Harunori/河井 遥範" userId="93c2c9f4-6164-4ba9-9002-9d68105c42e4" providerId="ADAL" clId="{7F626282-3ACC-4A0B-9D71-9E8F65F89D36}" dt="2022-08-06T07:54:28.816" v="3006"/>
-          <ac:spMkLst>
-            <pc:docMk/>
-            <pc:sldMk cId="1015839956" sldId="260"/>
-            <ac:spMk id="2" creationId="{B321DDA0-26AB-4526-9B7E-85FCB9AE0C5D}"/>
-          </ac:spMkLst>
-        </pc:spChg>
-        <pc:spChg chg="mod">
-          <ac:chgData name="Kawai, Harunori/河井 遥範" userId="93c2c9f4-6164-4ba9-9002-9d68105c42e4" providerId="ADAL" clId="{7F626282-3ACC-4A0B-9D71-9E8F65F89D36}" dt="2022-08-06T07:50:56.434" v="2810" actId="20577"/>
-          <ac:spMkLst>
-            <pc:docMk/>
-            <pc:sldMk cId="1015839956" sldId="260"/>
-            <ac:spMk id="3" creationId="{CDC7BA8B-F2A5-468B-AFFC-A045C20DC0F9}"/>
-          </ac:spMkLst>
-        </pc:spChg>
-      </pc:sldChg>
-      <pc:sldChg chg="modSp add mod">
-        <pc:chgData name="Kawai, Harunori/河井 遥範" userId="93c2c9f4-6164-4ba9-9002-9d68105c42e4" providerId="ADAL" clId="{7F626282-3ACC-4A0B-9D71-9E8F65F89D36}" dt="2022-08-06T07:54:31.403" v="3007"/>
-        <pc:sldMkLst>
-          <pc:docMk/>
-          <pc:sldMk cId="3624032638" sldId="261"/>
-        </pc:sldMkLst>
-        <pc:spChg chg="mod">
-          <ac:chgData name="Kawai, Harunori/河井 遥範" userId="93c2c9f4-6164-4ba9-9002-9d68105c42e4" providerId="ADAL" clId="{7F626282-3ACC-4A0B-9D71-9E8F65F89D36}" dt="2022-08-06T07:54:31.403" v="3007"/>
-          <ac:spMkLst>
-            <pc:docMk/>
-            <pc:sldMk cId="3624032638" sldId="261"/>
-            <ac:spMk id="2" creationId="{B321DDA0-26AB-4526-9B7E-85FCB9AE0C5D}"/>
-          </ac:spMkLst>
-        </pc:spChg>
-        <pc:spChg chg="mod">
-          <ac:chgData name="Kawai, Harunori/河井 遥範" userId="93c2c9f4-6164-4ba9-9002-9d68105c42e4" providerId="ADAL" clId="{7F626282-3ACC-4A0B-9D71-9E8F65F89D36}" dt="2022-08-06T07:53:35.306" v="3005" actId="20577"/>
-          <ac:spMkLst>
-            <pc:docMk/>
-            <pc:sldMk cId="3624032638" sldId="261"/>
-            <ac:spMk id="3" creationId="{CDC7BA8B-F2A5-468B-AFFC-A045C20DC0F9}"/>
-          </ac:spMkLst>
-        </pc:spChg>
-      </pc:sldChg>
-      <pc:sldChg chg="modSp new mod">
-        <pc:chgData name="Kawai, Harunori/河井 遥範" userId="93c2c9f4-6164-4ba9-9002-9d68105c42e4" providerId="ADAL" clId="{7F626282-3ACC-4A0B-9D71-9E8F65F89D36}" dt="2022-08-06T07:56:24.997" v="3111" actId="20577"/>
-        <pc:sldMkLst>
-          <pc:docMk/>
-          <pc:sldMk cId="709311278" sldId="262"/>
-        </pc:sldMkLst>
-        <pc:spChg chg="mod">
-          <ac:chgData name="Kawai, Harunori/河井 遥範" userId="93c2c9f4-6164-4ba9-9002-9d68105c42e4" providerId="ADAL" clId="{7F626282-3ACC-4A0B-9D71-9E8F65F89D36}" dt="2022-08-06T07:56:24.997" v="3111" actId="20577"/>
-          <ac:spMkLst>
-            <pc:docMk/>
-            <pc:sldMk cId="709311278" sldId="262"/>
-            <ac:spMk id="2" creationId="{7FABB701-40C5-4737-A8EF-1F6932571EAC}"/>
-          </ac:spMkLst>
-        </pc:spChg>
-      </pc:sldChg>
-    </pc:docChg>
-  </pc:docChgLst>
   <pc:docChgLst>
     <pc:chgData name="Kawai, Harunori/河井 遥範" userId="93c2c9f4-6164-4ba9-9002-9d68105c42e4" providerId="ADAL" clId="{1406846E-5742-464D-A1A7-6839B9A28E7A}"/>
     <pc:docChg chg="undo custSel addSld delSld modSld">
@@ -1425,6 +1267,166 @@
       </pc:sldChg>
     </pc:docChg>
   </pc:docChgLst>
+  <pc:docChgLst>
+    <pc:chgData name="Kawai, Harunori/河井 遥範" userId="93c2c9f4-6164-4ba9-9002-9d68105c42e4" providerId="ADAL" clId="{7F626282-3ACC-4A0B-9D71-9E8F65F89D36}"/>
+    <pc:docChg chg="undo custSel addSld delSld modSld">
+      <pc:chgData name="Kawai, Harunori/河井 遥範" userId="93c2c9f4-6164-4ba9-9002-9d68105c42e4" providerId="ADAL" clId="{7F626282-3ACC-4A0B-9D71-9E8F65F89D36}" dt="2022-08-06T07:56:24.997" v="3111" actId="20577"/>
+      <pc:docMkLst>
+        <pc:docMk/>
+      </pc:docMkLst>
+      <pc:sldChg chg="modSp mod">
+        <pc:chgData name="Kawai, Harunori/河井 遥範" userId="93c2c9f4-6164-4ba9-9002-9d68105c42e4" providerId="ADAL" clId="{7F626282-3ACC-4A0B-9D71-9E8F65F89D36}" dt="2022-08-06T06:50:45.937" v="1044" actId="27636"/>
+        <pc:sldMkLst>
+          <pc:docMk/>
+          <pc:sldMk cId="2803321174" sldId="257"/>
+        </pc:sldMkLst>
+        <pc:spChg chg="mod">
+          <ac:chgData name="Kawai, Harunori/河井 遥範" userId="93c2c9f4-6164-4ba9-9002-9d68105c42e4" providerId="ADAL" clId="{7F626282-3ACC-4A0B-9D71-9E8F65F89D36}" dt="2022-08-06T06:40:31.100" v="86" actId="20577"/>
+          <ac:spMkLst>
+            <pc:docMk/>
+            <pc:sldMk cId="2803321174" sldId="257"/>
+            <ac:spMk id="2" creationId="{92D60AF6-47E9-4957-833B-B5A13E1A1BC3}"/>
+          </ac:spMkLst>
+        </pc:spChg>
+        <pc:spChg chg="mod">
+          <ac:chgData name="Kawai, Harunori/河井 遥範" userId="93c2c9f4-6164-4ba9-9002-9d68105c42e4" providerId="ADAL" clId="{7F626282-3ACC-4A0B-9D71-9E8F65F89D36}" dt="2022-08-06T06:50:45.937" v="1044" actId="27636"/>
+          <ac:spMkLst>
+            <pc:docMk/>
+            <pc:sldMk cId="2803321174" sldId="257"/>
+            <ac:spMk id="3" creationId="{1FC43449-9F9E-4D9E-8354-690CC5179C29}"/>
+          </ac:spMkLst>
+        </pc:spChg>
+      </pc:sldChg>
+      <pc:sldChg chg="modSp new mod">
+        <pc:chgData name="Kawai, Harunori/河井 遥範" userId="93c2c9f4-6164-4ba9-9002-9d68105c42e4" providerId="ADAL" clId="{7F626282-3ACC-4A0B-9D71-9E8F65F89D36}" dt="2022-08-06T06:41:46.635" v="372" actId="20577"/>
+        <pc:sldMkLst>
+          <pc:docMk/>
+          <pc:sldMk cId="174377342" sldId="258"/>
+        </pc:sldMkLst>
+        <pc:spChg chg="mod">
+          <ac:chgData name="Kawai, Harunori/河井 遥範" userId="93c2c9f4-6164-4ba9-9002-9d68105c42e4" providerId="ADAL" clId="{7F626282-3ACC-4A0B-9D71-9E8F65F89D36}" dt="2022-08-06T06:40:21.325" v="62" actId="20577"/>
+          <ac:spMkLst>
+            <pc:docMk/>
+            <pc:sldMk cId="174377342" sldId="258"/>
+            <ac:spMk id="2" creationId="{A94DB91A-05F6-424A-B948-C9C88D51DAC2}"/>
+          </ac:spMkLst>
+        </pc:spChg>
+        <pc:spChg chg="mod">
+          <ac:chgData name="Kawai, Harunori/河井 遥範" userId="93c2c9f4-6164-4ba9-9002-9d68105c42e4" providerId="ADAL" clId="{7F626282-3ACC-4A0B-9D71-9E8F65F89D36}" dt="2022-08-06T06:41:46.635" v="372" actId="20577"/>
+          <ac:spMkLst>
+            <pc:docMk/>
+            <pc:sldMk cId="174377342" sldId="258"/>
+            <ac:spMk id="3" creationId="{A64C0ED1-DE7C-4A16-9F3C-12D2840715A0}"/>
+          </ac:spMkLst>
+        </pc:spChg>
+      </pc:sldChg>
+      <pc:sldChg chg="new del">
+        <pc:chgData name="Kawai, Harunori/河井 遥範" userId="93c2c9f4-6164-4ba9-9002-9d68105c42e4" providerId="ADAL" clId="{7F626282-3ACC-4A0B-9D71-9E8F65F89D36}" dt="2022-08-06T06:51:03.863" v="1048" actId="680"/>
+        <pc:sldMkLst>
+          <pc:docMk/>
+          <pc:sldMk cId="412912813" sldId="259"/>
+        </pc:sldMkLst>
+      </pc:sldChg>
+      <pc:sldChg chg="new del">
+        <pc:chgData name="Kawai, Harunori/河井 遥範" userId="93c2c9f4-6164-4ba9-9002-9d68105c42e4" providerId="ADAL" clId="{7F626282-3ACC-4A0B-9D71-9E8F65F89D36}" dt="2022-08-06T06:51:07.363" v="1050" actId="680"/>
+        <pc:sldMkLst>
+          <pc:docMk/>
+          <pc:sldMk cId="1082049308" sldId="259"/>
+        </pc:sldMkLst>
+      </pc:sldChg>
+      <pc:sldChg chg="modSp new mod">
+        <pc:chgData name="Kawai, Harunori/河井 遥範" userId="93c2c9f4-6164-4ba9-9002-9d68105c42e4" providerId="ADAL" clId="{7F626282-3ACC-4A0B-9D71-9E8F65F89D36}" dt="2022-08-06T07:47:57.821" v="2588" actId="14100"/>
+        <pc:sldMkLst>
+          <pc:docMk/>
+          <pc:sldMk cId="1868898715" sldId="259"/>
+        </pc:sldMkLst>
+        <pc:spChg chg="mod">
+          <ac:chgData name="Kawai, Harunori/河井 遥範" userId="93c2c9f4-6164-4ba9-9002-9d68105c42e4" providerId="ADAL" clId="{7F626282-3ACC-4A0B-9D71-9E8F65F89D36}" dt="2022-08-06T06:51:14.089" v="1068" actId="20577"/>
+          <ac:spMkLst>
+            <pc:docMk/>
+            <pc:sldMk cId="1868898715" sldId="259"/>
+            <ac:spMk id="2" creationId="{E0D30D41-4C54-4389-BE97-10D3CBC652D9}"/>
+          </ac:spMkLst>
+        </pc:spChg>
+        <pc:spChg chg="mod">
+          <ac:chgData name="Kawai, Harunori/河井 遥範" userId="93c2c9f4-6164-4ba9-9002-9d68105c42e4" providerId="ADAL" clId="{7F626282-3ACC-4A0B-9D71-9E8F65F89D36}" dt="2022-08-06T07:47:57.821" v="2588" actId="14100"/>
+          <ac:spMkLst>
+            <pc:docMk/>
+            <pc:sldMk cId="1868898715" sldId="259"/>
+            <ac:spMk id="3" creationId="{CC386367-1FB0-4523-9282-844E528683BC}"/>
+          </ac:spMkLst>
+        </pc:spChg>
+      </pc:sldChg>
+      <pc:sldChg chg="new del">
+        <pc:chgData name="Kawai, Harunori/河井 遥範" userId="93c2c9f4-6164-4ba9-9002-9d68105c42e4" providerId="ADAL" clId="{7F626282-3ACC-4A0B-9D71-9E8F65F89D36}" dt="2022-08-06T06:50:58.845" v="1046" actId="680"/>
+        <pc:sldMkLst>
+          <pc:docMk/>
+          <pc:sldMk cId="1970402028" sldId="259"/>
+        </pc:sldMkLst>
+      </pc:sldChg>
+      <pc:sldChg chg="modSp new mod">
+        <pc:chgData name="Kawai, Harunori/河井 遥範" userId="93c2c9f4-6164-4ba9-9002-9d68105c42e4" providerId="ADAL" clId="{7F626282-3ACC-4A0B-9D71-9E8F65F89D36}" dt="2022-08-06T07:54:28.816" v="3006"/>
+        <pc:sldMkLst>
+          <pc:docMk/>
+          <pc:sldMk cId="1015839956" sldId="260"/>
+        </pc:sldMkLst>
+        <pc:spChg chg="mod">
+          <ac:chgData name="Kawai, Harunori/河井 遥範" userId="93c2c9f4-6164-4ba9-9002-9d68105c42e4" providerId="ADAL" clId="{7F626282-3ACC-4A0B-9D71-9E8F65F89D36}" dt="2022-08-06T07:54:28.816" v="3006"/>
+          <ac:spMkLst>
+            <pc:docMk/>
+            <pc:sldMk cId="1015839956" sldId="260"/>
+            <ac:spMk id="2" creationId="{B321DDA0-26AB-4526-9B7E-85FCB9AE0C5D}"/>
+          </ac:spMkLst>
+        </pc:spChg>
+        <pc:spChg chg="mod">
+          <ac:chgData name="Kawai, Harunori/河井 遥範" userId="93c2c9f4-6164-4ba9-9002-9d68105c42e4" providerId="ADAL" clId="{7F626282-3ACC-4A0B-9D71-9E8F65F89D36}" dt="2022-08-06T07:50:56.434" v="2810" actId="20577"/>
+          <ac:spMkLst>
+            <pc:docMk/>
+            <pc:sldMk cId="1015839956" sldId="260"/>
+            <ac:spMk id="3" creationId="{CDC7BA8B-F2A5-468B-AFFC-A045C20DC0F9}"/>
+          </ac:spMkLst>
+        </pc:spChg>
+      </pc:sldChg>
+      <pc:sldChg chg="modSp add mod">
+        <pc:chgData name="Kawai, Harunori/河井 遥範" userId="93c2c9f4-6164-4ba9-9002-9d68105c42e4" providerId="ADAL" clId="{7F626282-3ACC-4A0B-9D71-9E8F65F89D36}" dt="2022-08-06T07:54:31.403" v="3007"/>
+        <pc:sldMkLst>
+          <pc:docMk/>
+          <pc:sldMk cId="3624032638" sldId="261"/>
+        </pc:sldMkLst>
+        <pc:spChg chg="mod">
+          <ac:chgData name="Kawai, Harunori/河井 遥範" userId="93c2c9f4-6164-4ba9-9002-9d68105c42e4" providerId="ADAL" clId="{7F626282-3ACC-4A0B-9D71-9E8F65F89D36}" dt="2022-08-06T07:54:31.403" v="3007"/>
+          <ac:spMkLst>
+            <pc:docMk/>
+            <pc:sldMk cId="3624032638" sldId="261"/>
+            <ac:spMk id="2" creationId="{B321DDA0-26AB-4526-9B7E-85FCB9AE0C5D}"/>
+          </ac:spMkLst>
+        </pc:spChg>
+        <pc:spChg chg="mod">
+          <ac:chgData name="Kawai, Harunori/河井 遥範" userId="93c2c9f4-6164-4ba9-9002-9d68105c42e4" providerId="ADAL" clId="{7F626282-3ACC-4A0B-9D71-9E8F65F89D36}" dt="2022-08-06T07:53:35.306" v="3005" actId="20577"/>
+          <ac:spMkLst>
+            <pc:docMk/>
+            <pc:sldMk cId="3624032638" sldId="261"/>
+            <ac:spMk id="3" creationId="{CDC7BA8B-F2A5-468B-AFFC-A045C20DC0F9}"/>
+          </ac:spMkLst>
+        </pc:spChg>
+      </pc:sldChg>
+      <pc:sldChg chg="modSp new mod">
+        <pc:chgData name="Kawai, Harunori/河井 遥範" userId="93c2c9f4-6164-4ba9-9002-9d68105c42e4" providerId="ADAL" clId="{7F626282-3ACC-4A0B-9D71-9E8F65F89D36}" dt="2022-08-06T07:56:24.997" v="3111" actId="20577"/>
+        <pc:sldMkLst>
+          <pc:docMk/>
+          <pc:sldMk cId="709311278" sldId="262"/>
+        </pc:sldMkLst>
+        <pc:spChg chg="mod">
+          <ac:chgData name="Kawai, Harunori/河井 遥範" userId="93c2c9f4-6164-4ba9-9002-9d68105c42e4" providerId="ADAL" clId="{7F626282-3ACC-4A0B-9D71-9E8F65F89D36}" dt="2022-08-06T07:56:24.997" v="3111" actId="20577"/>
+          <ac:spMkLst>
+            <pc:docMk/>
+            <pc:sldMk cId="709311278" sldId="262"/>
+            <ac:spMk id="2" creationId="{7FABB701-40C5-4737-A8EF-1F6932571EAC}"/>
+          </ac:spMkLst>
+        </pc:spChg>
+      </pc:sldChg>
+    </pc:docChg>
+  </pc:docChgLst>
 </pc:chgInfo>
 </file>
 
@@ -1575,7 +1577,7 @@
           <a:p>
             <a:fld id="{87E6AE85-48D1-4E46-BF2A-AC7D3524C560}" type="datetimeFigureOut">
               <a:rPr kumimoji="1" lang="ja-JP" altLang="en-US" smtClean="0"/>
-              <a:t>2023/5/6</a:t>
+              <a:t>2023/10/3</a:t>
             </a:fld>
             <a:endParaRPr kumimoji="1" lang="ja-JP" altLang="en-US"/>
           </a:p>
@@ -1805,7 +1807,7 @@
           <a:p>
             <a:fld id="{87E6AE85-48D1-4E46-BF2A-AC7D3524C560}" type="datetimeFigureOut">
               <a:rPr kumimoji="1" lang="ja-JP" altLang="en-US" smtClean="0"/>
-              <a:t>2023/5/6</a:t>
+              <a:t>2023/10/3</a:t>
             </a:fld>
             <a:endParaRPr kumimoji="1" lang="ja-JP" altLang="en-US"/>
           </a:p>
@@ -2045,7 +2047,7 @@
           <a:p>
             <a:fld id="{87E6AE85-48D1-4E46-BF2A-AC7D3524C560}" type="datetimeFigureOut">
               <a:rPr kumimoji="1" lang="ja-JP" altLang="en-US" smtClean="0"/>
-              <a:t>2023/5/6</a:t>
+              <a:t>2023/10/3</a:t>
             </a:fld>
             <a:endParaRPr kumimoji="1" lang="ja-JP" altLang="en-US"/>
           </a:p>
@@ -2275,7 +2277,7 @@
           <a:p>
             <a:fld id="{87E6AE85-48D1-4E46-BF2A-AC7D3524C560}" type="datetimeFigureOut">
               <a:rPr kumimoji="1" lang="ja-JP" altLang="en-US" smtClean="0"/>
-              <a:t>2023/5/6</a:t>
+              <a:t>2023/10/3</a:t>
             </a:fld>
             <a:endParaRPr kumimoji="1" lang="ja-JP" altLang="en-US"/>
           </a:p>
@@ -2550,7 +2552,7 @@
           <a:p>
             <a:fld id="{87E6AE85-48D1-4E46-BF2A-AC7D3524C560}" type="datetimeFigureOut">
               <a:rPr kumimoji="1" lang="ja-JP" altLang="en-US" smtClean="0"/>
-              <a:t>2023/5/6</a:t>
+              <a:t>2023/10/3</a:t>
             </a:fld>
             <a:endParaRPr kumimoji="1" lang="ja-JP" altLang="en-US"/>
           </a:p>
@@ -2879,7 +2881,7 @@
           <a:p>
             <a:fld id="{87E6AE85-48D1-4E46-BF2A-AC7D3524C560}" type="datetimeFigureOut">
               <a:rPr kumimoji="1" lang="ja-JP" altLang="en-US" smtClean="0"/>
-              <a:t>2023/5/6</a:t>
+              <a:t>2023/10/3</a:t>
             </a:fld>
             <a:endParaRPr kumimoji="1" lang="ja-JP" altLang="en-US"/>
           </a:p>
@@ -3355,7 +3357,7 @@
           <a:p>
             <a:fld id="{87E6AE85-48D1-4E46-BF2A-AC7D3524C560}" type="datetimeFigureOut">
               <a:rPr kumimoji="1" lang="ja-JP" altLang="en-US" smtClean="0"/>
-              <a:t>2023/5/6</a:t>
+              <a:t>2023/10/3</a:t>
             </a:fld>
             <a:endParaRPr kumimoji="1" lang="ja-JP" altLang="en-US"/>
           </a:p>
@@ -3496,7 +3498,7 @@
           <a:p>
             <a:fld id="{87E6AE85-48D1-4E46-BF2A-AC7D3524C560}" type="datetimeFigureOut">
               <a:rPr kumimoji="1" lang="ja-JP" altLang="en-US" smtClean="0"/>
-              <a:t>2023/5/6</a:t>
+              <a:t>2023/10/3</a:t>
             </a:fld>
             <a:endParaRPr kumimoji="1" lang="ja-JP" altLang="en-US"/>
           </a:p>
@@ -3609,7 +3611,7 @@
           <a:p>
             <a:fld id="{87E6AE85-48D1-4E46-BF2A-AC7D3524C560}" type="datetimeFigureOut">
               <a:rPr kumimoji="1" lang="ja-JP" altLang="en-US" smtClean="0"/>
-              <a:t>2023/5/6</a:t>
+              <a:t>2023/10/3</a:t>
             </a:fld>
             <a:endParaRPr kumimoji="1" lang="ja-JP" altLang="en-US"/>
           </a:p>
@@ -3952,7 +3954,7 @@
           <a:p>
             <a:fld id="{87E6AE85-48D1-4E46-BF2A-AC7D3524C560}" type="datetimeFigureOut">
               <a:rPr kumimoji="1" lang="ja-JP" altLang="en-US" smtClean="0"/>
-              <a:t>2023/5/6</a:t>
+              <a:t>2023/10/3</a:t>
             </a:fld>
             <a:endParaRPr kumimoji="1" lang="ja-JP" altLang="en-US"/>
           </a:p>
@@ -4240,7 +4242,7 @@
           <a:p>
             <a:fld id="{87E6AE85-48D1-4E46-BF2A-AC7D3524C560}" type="datetimeFigureOut">
               <a:rPr kumimoji="1" lang="ja-JP" altLang="en-US" smtClean="0"/>
-              <a:t>2023/5/6</a:t>
+              <a:t>2023/10/3</a:t>
             </a:fld>
             <a:endParaRPr kumimoji="1" lang="ja-JP" altLang="en-US"/>
           </a:p>
@@ -4513,7 +4515,7 @@
           <a:p>
             <a:fld id="{87E6AE85-48D1-4E46-BF2A-AC7D3524C560}" type="datetimeFigureOut">
               <a:rPr kumimoji="1" lang="ja-JP" altLang="en-US" smtClean="0"/>
-              <a:t>2023/5/6</a:t>
+              <a:t>2023/10/3</a:t>
             </a:fld>
             <a:endParaRPr kumimoji="1" lang="ja-JP" altLang="en-US"/>
           </a:p>
@@ -4952,10 +4954,10 @@
           <a:lstStyle/>
           <a:p>
             <a:r>
-              <a:rPr kumimoji="1" lang="en-US" altLang="ja-JP"/>
+              <a:rPr kumimoji="1" lang="en-US" altLang="ja-JP" dirty="0"/>
               <a:t>SVM</a:t>
             </a:r>
-            <a:endParaRPr kumimoji="1" lang="ja-JP" altLang="en-US"/>
+            <a:endParaRPr kumimoji="1" lang="ja-JP" altLang="en-US" dirty="0"/>
           </a:p>
         </p:txBody>
       </p:sp>
@@ -4983,28 +4985,6 @@
             <a:r>
               <a:rPr kumimoji="1" lang="en-US" altLang="ja-JP" dirty="0"/>
               <a:t>2023/05/03</a:t>
-            </a:r>
-          </a:p>
-          <a:p>
-            <a:r>
-              <a:rPr kumimoji="1" lang="ja-JP" altLang="en-US" dirty="0"/>
-              <a:t>多変量解析入門</a:t>
-            </a:r>
-            <a:r>
-              <a:rPr kumimoji="1" lang="en-US" altLang="ja-JP" dirty="0"/>
-              <a:t>(</a:t>
-            </a:r>
-            <a:r>
-              <a:rPr kumimoji="1" lang="ja-JP" altLang="en-US" dirty="0"/>
-              <a:t>小西貞則</a:t>
-            </a:r>
-            <a:r>
-              <a:rPr kumimoji="1" lang="en-US" altLang="ja-JP" dirty="0"/>
-              <a:t>)</a:t>
-            </a:r>
-            <a:r>
-              <a:rPr kumimoji="1" lang="ja-JP" altLang="en-US" dirty="0"/>
-              <a:t>より</a:t>
             </a:r>
           </a:p>
         </p:txBody>
@@ -5282,8 +5262,8 @@
           </a:p>
         </p:txBody>
       </p:sp>
-      <mc:AlternateContent xmlns:mc="http://schemas.openxmlformats.org/markup-compatibility/2006">
-        <mc:Choice xmlns:a14="http://schemas.microsoft.com/office/drawing/2010/main" Requires="a14">
+      <mc:AlternateContent xmlns:mc="http://schemas.openxmlformats.org/markup-compatibility/2006" xmlns:a14="http://schemas.microsoft.com/office/drawing/2010/main">
+        <mc:Choice Requires="a14">
           <p:sp>
             <p:nvSpPr>
               <p:cNvPr id="5" name="テキスト ボックス 4">
@@ -5397,7 +5377,7 @@
             </p:txBody>
           </p:sp>
         </mc:Choice>
-        <mc:Fallback>
+        <mc:Fallback xmlns="">
           <p:sp>
             <p:nvSpPr>
               <p:cNvPr id="5" name="テキスト ボックス 4">
@@ -5442,8 +5422,8 @@
           </p:sp>
         </mc:Fallback>
       </mc:AlternateContent>
-      <mc:AlternateContent xmlns:mc="http://schemas.openxmlformats.org/markup-compatibility/2006">
-        <mc:Choice xmlns:a14="http://schemas.microsoft.com/office/drawing/2010/main" Requires="a14">
+      <mc:AlternateContent xmlns:mc="http://schemas.openxmlformats.org/markup-compatibility/2006" xmlns:a14="http://schemas.microsoft.com/office/drawing/2010/main">
+        <mc:Choice Requires="a14">
           <p:sp>
             <p:nvSpPr>
               <p:cNvPr id="6" name="テキスト ボックス 5">
@@ -5553,7 +5533,7 @@
             </p:txBody>
           </p:sp>
         </mc:Choice>
-        <mc:Fallback>
+        <mc:Fallback xmlns="">
           <p:sp>
             <p:nvSpPr>
               <p:cNvPr id="6" name="テキスト ボックス 5">
@@ -5598,8 +5578,8 @@
           </p:sp>
         </mc:Fallback>
       </mc:AlternateContent>
-      <mc:AlternateContent xmlns:mc="http://schemas.openxmlformats.org/markup-compatibility/2006">
-        <mc:Choice xmlns:a14="http://schemas.microsoft.com/office/drawing/2010/main" Requires="a14">
+      <mc:AlternateContent xmlns:mc="http://schemas.openxmlformats.org/markup-compatibility/2006" xmlns:a14="http://schemas.microsoft.com/office/drawing/2010/main">
+        <mc:Choice Requires="a14">
           <p:sp>
             <p:nvSpPr>
               <p:cNvPr id="7" name="テキスト ボックス 6">
@@ -5709,7 +5689,7 @@
             </p:txBody>
           </p:sp>
         </mc:Choice>
-        <mc:Fallback>
+        <mc:Fallback xmlns="">
           <p:sp>
             <p:nvSpPr>
               <p:cNvPr id="7" name="テキスト ボックス 6">
@@ -6060,8 +6040,8 @@
           </a:p>
         </p:txBody>
       </p:sp>
-      <mc:AlternateContent xmlns:mc="http://schemas.openxmlformats.org/markup-compatibility/2006">
-        <mc:Choice xmlns:a14="http://schemas.microsoft.com/office/drawing/2010/main" Requires="a14">
+      <mc:AlternateContent xmlns:mc="http://schemas.openxmlformats.org/markup-compatibility/2006" xmlns:a14="http://schemas.microsoft.com/office/drawing/2010/main">
+        <mc:Choice Requires="a14">
           <p:sp>
             <p:nvSpPr>
               <p:cNvPr id="13" name="テキスト ボックス 12">
@@ -6737,7 +6717,7 @@
             </p:txBody>
           </p:sp>
         </mc:Choice>
-        <mc:Fallback>
+        <mc:Fallback xmlns="">
           <p:sp>
             <p:nvSpPr>
               <p:cNvPr id="13" name="テキスト ボックス 12">
@@ -6782,8 +6762,8 @@
           </p:sp>
         </mc:Fallback>
       </mc:AlternateContent>
-      <mc:AlternateContent xmlns:mc="http://schemas.openxmlformats.org/markup-compatibility/2006">
-        <mc:Choice xmlns:a14="http://schemas.microsoft.com/office/drawing/2010/main" Requires="a14">
+      <mc:AlternateContent xmlns:mc="http://schemas.openxmlformats.org/markup-compatibility/2006" xmlns:a14="http://schemas.microsoft.com/office/drawing/2010/main">
+        <mc:Choice Requires="a14">
           <p:sp>
             <p:nvSpPr>
               <p:cNvPr id="14" name="テキスト ボックス 13">
@@ -7301,7 +7281,7 @@
             </p:txBody>
           </p:sp>
         </mc:Choice>
-        <mc:Fallback>
+        <mc:Fallback xmlns="">
           <p:sp>
             <p:nvSpPr>
               <p:cNvPr id="14" name="テキスト ボックス 13">
@@ -7404,8 +7384,8 @@
           </a:p>
         </p:txBody>
       </p:sp>
-      <mc:AlternateContent xmlns:mc="http://schemas.openxmlformats.org/markup-compatibility/2006">
-        <mc:Choice xmlns:a14="http://schemas.microsoft.com/office/drawing/2010/main" Requires="a14">
+      <mc:AlternateContent xmlns:mc="http://schemas.openxmlformats.org/markup-compatibility/2006" xmlns:a14="http://schemas.microsoft.com/office/drawing/2010/main">
+        <mc:Choice Requires="a14">
           <p:sp>
             <p:nvSpPr>
               <p:cNvPr id="16" name="テキスト ボックス 15">
@@ -7562,7 +7542,7 @@
             </p:txBody>
           </p:sp>
         </mc:Choice>
-        <mc:Fallback>
+        <mc:Fallback xmlns="">
           <p:sp>
             <p:nvSpPr>
               <p:cNvPr id="16" name="テキスト ボックス 15">
@@ -7607,8 +7587,8 @@
           </p:sp>
         </mc:Fallback>
       </mc:AlternateContent>
-      <mc:AlternateContent xmlns:mc="http://schemas.openxmlformats.org/markup-compatibility/2006">
-        <mc:Choice xmlns:a14="http://schemas.microsoft.com/office/drawing/2010/main" Requires="a14">
+      <mc:AlternateContent xmlns:mc="http://schemas.openxmlformats.org/markup-compatibility/2006" xmlns:a14="http://schemas.microsoft.com/office/drawing/2010/main">
+        <mc:Choice Requires="a14">
           <p:sp>
             <p:nvSpPr>
               <p:cNvPr id="17" name="テキスト ボックス 16">
@@ -7822,6 +7802,7 @@
                 <a:endParaRPr lang="en-US" altLang="ja-JP" dirty="0"/>
               </a:p>
               <a:p>
+                <a:pPr/>
                 <a14:m>
                   <m:oMathPara xmlns:m="http://schemas.openxmlformats.org/officeDocument/2006/math">
                     <m:oMathParaPr>
@@ -8137,7 +8118,7 @@
             </p:txBody>
           </p:sp>
         </mc:Choice>
-        <mc:Fallback>
+        <mc:Fallback xmlns="">
           <p:sp>
             <p:nvSpPr>
               <p:cNvPr id="17" name="テキスト ボックス 16">
@@ -16966,8 +16947,8 @@
           </a:p>
         </p:txBody>
       </p:sp>
-      <mc:AlternateContent xmlns:mc="http://schemas.openxmlformats.org/markup-compatibility/2006">
-        <mc:Choice xmlns:a14="http://schemas.microsoft.com/office/drawing/2010/main" Requires="a14">
+      <mc:AlternateContent xmlns:mc="http://schemas.openxmlformats.org/markup-compatibility/2006" xmlns:a14="http://schemas.microsoft.com/office/drawing/2010/main">
+        <mc:Choice Requires="a14">
           <p:sp>
             <p:nvSpPr>
               <p:cNvPr id="16" name="テキスト ボックス 15">
@@ -17105,13 +17086,7 @@
                         <a:rPr lang="en-US" altLang="ja-JP" i="1">
                           <a:latin typeface="Cambria Math" panose="02040503050406030204" pitchFamily="18" charset="0"/>
                         </a:rPr>
-                        <m:t>≥</m:t>
-                      </m:r>
-                      <m:r>
-                        <a:rPr lang="en-US" altLang="ja-JP" i="1">
-                          <a:latin typeface="Cambria Math" panose="02040503050406030204" pitchFamily="18" charset="0"/>
-                        </a:rPr>
-                        <m:t>1−</m:t>
+                        <m:t>≥1−</m:t>
                       </m:r>
                       <m:sSub>
                         <m:sSubPr>
@@ -17146,7 +17121,7 @@
             </p:txBody>
           </p:sp>
         </mc:Choice>
-        <mc:Fallback>
+        <mc:Fallback xmlns="">
           <p:sp>
             <p:nvSpPr>
               <p:cNvPr id="16" name="テキスト ボックス 15">
@@ -17191,8 +17166,8 @@
           </p:sp>
         </mc:Fallback>
       </mc:AlternateContent>
-      <mc:AlternateContent xmlns:mc="http://schemas.openxmlformats.org/markup-compatibility/2006">
-        <mc:Choice xmlns:a14="http://schemas.microsoft.com/office/drawing/2010/main" Requires="a14">
+      <mc:AlternateContent xmlns:mc="http://schemas.openxmlformats.org/markup-compatibility/2006" xmlns:a14="http://schemas.microsoft.com/office/drawing/2010/main">
+        <mc:Choice Requires="a14">
           <p:sp>
             <p:nvSpPr>
               <p:cNvPr id="17" name="テキスト ボックス 16">
@@ -17712,13 +17687,7 @@
                       <a:rPr lang="en-US" altLang="ja-JP" b="0" i="1" smtClean="0">
                         <a:latin typeface="Cambria Math" panose="02040503050406030204" pitchFamily="18" charset="0"/>
                       </a:rPr>
-                      <m:t>&gt;</m:t>
-                    </m:r>
-                    <m:r>
-                      <a:rPr lang="en-US" altLang="ja-JP" b="0" i="1" smtClean="0">
-                        <a:latin typeface="Cambria Math" panose="02040503050406030204" pitchFamily="18" charset="0"/>
-                      </a:rPr>
-                      <m:t>0</m:t>
+                      <m:t>&gt;0</m:t>
                     </m:r>
                   </m:oMath>
                 </a14:m>
@@ -17740,7 +17709,7 @@
             </p:txBody>
           </p:sp>
         </mc:Choice>
-        <mc:Fallback>
+        <mc:Fallback xmlns="">
           <p:sp>
             <p:nvSpPr>
               <p:cNvPr id="17" name="テキスト ボックス 16">
@@ -17984,6 +17953,203 @@
     <p:extLst>
       <p:ext uri="{BB962C8B-B14F-4D97-AF65-F5344CB8AC3E}">
         <p14:creationId xmlns:p14="http://schemas.microsoft.com/office/powerpoint/2010/main" val="174377342"/>
+      </p:ext>
+    </p:extLst>
+  </p:cSld>
+  <p:clrMapOvr>
+    <a:masterClrMapping/>
+  </p:clrMapOvr>
+</p:sld>
+</file>
+
+<file path=ppt/slides/slide20.xml><?xml version="1.0" encoding="utf-8"?>
+<p:sld xmlns:a="http://schemas.openxmlformats.org/drawingml/2006/main" xmlns:r="http://schemas.openxmlformats.org/officeDocument/2006/relationships" xmlns:p="http://schemas.openxmlformats.org/presentationml/2006/main">
+  <p:cSld>
+    <p:spTree>
+      <p:nvGrpSpPr>
+        <p:cNvPr id="1" name=""/>
+        <p:cNvGrpSpPr/>
+        <p:nvPr/>
+      </p:nvGrpSpPr>
+      <p:grpSpPr>
+        <a:xfrm>
+          <a:off x="0" y="0"/>
+          <a:ext cx="0" cy="0"/>
+          <a:chOff x="0" y="0"/>
+          <a:chExt cx="0" cy="0"/>
+        </a:xfrm>
+      </p:grpSpPr>
+      <p:sp>
+        <p:nvSpPr>
+          <p:cNvPr id="2" name="タイトル 1">
+            <a:extLst>
+              <a:ext uri="{FF2B5EF4-FFF2-40B4-BE49-F238E27FC236}">
+                <a16:creationId xmlns:a16="http://schemas.microsoft.com/office/drawing/2014/main" id="{8B409AE9-30EE-CDA0-93E8-EBFAA4559A9D}"/>
+              </a:ext>
+            </a:extLst>
+          </p:cNvPr>
+          <p:cNvSpPr>
+            <a:spLocks noGrp="1"/>
+          </p:cNvSpPr>
+          <p:nvPr>
+            <p:ph type="title"/>
+          </p:nvPr>
+        </p:nvSpPr>
+        <p:spPr/>
+        <p:txBody>
+          <a:bodyPr/>
+          <a:lstStyle/>
+          <a:p>
+            <a:endParaRPr kumimoji="1" lang="ja-JP" altLang="en-US" dirty="0"/>
+          </a:p>
+        </p:txBody>
+      </p:sp>
+      <p:sp>
+        <p:nvSpPr>
+          <p:cNvPr id="3" name="テキスト ボックス 2">
+            <a:extLst>
+              <a:ext uri="{FF2B5EF4-FFF2-40B4-BE49-F238E27FC236}">
+                <a16:creationId xmlns:a16="http://schemas.microsoft.com/office/drawing/2014/main" id="{378A9AD6-5557-C833-D960-1D69A2B9B968}"/>
+              </a:ext>
+            </a:extLst>
+          </p:cNvPr>
+          <p:cNvSpPr txBox="1"/>
+          <p:nvPr/>
+        </p:nvSpPr>
+        <p:spPr>
+          <a:xfrm>
+            <a:off x="3108960" y="3100251"/>
+            <a:ext cx="2031325" cy="369332"/>
+          </a:xfrm>
+          <a:prstGeom prst="rect">
+            <a:avLst/>
+          </a:prstGeom>
+          <a:noFill/>
+        </p:spPr>
+        <p:txBody>
+          <a:bodyPr wrap="none" rtlCol="0">
+            <a:spAutoFit/>
+          </a:bodyPr>
+          <a:lstStyle/>
+          <a:p>
+            <a:r>
+              <a:rPr lang="ja-JP" altLang="en-US"/>
+              <a:t>そのうちまとめる</a:t>
+            </a:r>
+            <a:endParaRPr kumimoji="1" lang="ja-JP" altLang="en-US"/>
+          </a:p>
+        </p:txBody>
+      </p:sp>
+    </p:spTree>
+    <p:extLst>
+      <p:ext uri="{BB962C8B-B14F-4D97-AF65-F5344CB8AC3E}">
+        <p14:creationId xmlns:p14="http://schemas.microsoft.com/office/powerpoint/2010/main" val="692597616"/>
+      </p:ext>
+    </p:extLst>
+  </p:cSld>
+  <p:clrMapOvr>
+    <a:masterClrMapping/>
+  </p:clrMapOvr>
+</p:sld>
+</file>
+
+<file path=ppt/slides/slide21.xml><?xml version="1.0" encoding="utf-8"?>
+<p:sld xmlns:a="http://schemas.openxmlformats.org/drawingml/2006/main" xmlns:r="http://schemas.openxmlformats.org/officeDocument/2006/relationships" xmlns:p="http://schemas.openxmlformats.org/presentationml/2006/main">
+  <p:cSld>
+    <p:spTree>
+      <p:nvGrpSpPr>
+        <p:cNvPr id="1" name=""/>
+        <p:cNvGrpSpPr/>
+        <p:nvPr/>
+      </p:nvGrpSpPr>
+      <p:grpSpPr>
+        <a:xfrm>
+          <a:off x="0" y="0"/>
+          <a:ext cx="0" cy="0"/>
+          <a:chOff x="0" y="0"/>
+          <a:chExt cx="0" cy="0"/>
+        </a:xfrm>
+      </p:grpSpPr>
+      <p:sp>
+        <p:nvSpPr>
+          <p:cNvPr id="2" name="タイトル 1">
+            <a:extLst>
+              <a:ext uri="{FF2B5EF4-FFF2-40B4-BE49-F238E27FC236}">
+                <a16:creationId xmlns:a16="http://schemas.microsoft.com/office/drawing/2014/main" id="{16A6E0A6-4D20-E234-D10F-456A689F436D}"/>
+              </a:ext>
+            </a:extLst>
+          </p:cNvPr>
+          <p:cNvSpPr>
+            <a:spLocks noGrp="1"/>
+          </p:cNvSpPr>
+          <p:nvPr>
+            <p:ph type="title"/>
+          </p:nvPr>
+        </p:nvSpPr>
+        <p:spPr/>
+        <p:txBody>
+          <a:bodyPr/>
+          <a:lstStyle/>
+          <a:p>
+            <a:r>
+              <a:rPr kumimoji="1" lang="ja-JP" altLang="en-US" dirty="0"/>
+              <a:t>参考文献</a:t>
+            </a:r>
+          </a:p>
+        </p:txBody>
+      </p:sp>
+      <p:sp>
+        <p:nvSpPr>
+          <p:cNvPr id="4" name="テキスト ボックス 3">
+            <a:extLst>
+              <a:ext uri="{FF2B5EF4-FFF2-40B4-BE49-F238E27FC236}">
+                <a16:creationId xmlns:a16="http://schemas.microsoft.com/office/drawing/2014/main" id="{2BB75097-006F-9963-25B8-2AAE119C2ACF}"/>
+              </a:ext>
+            </a:extLst>
+          </p:cNvPr>
+          <p:cNvSpPr txBox="1"/>
+          <p:nvPr/>
+        </p:nvSpPr>
+        <p:spPr>
+          <a:xfrm>
+            <a:off x="1288868" y="1690688"/>
+            <a:ext cx="6096000" cy="369332"/>
+          </a:xfrm>
+          <a:prstGeom prst="rect">
+            <a:avLst/>
+          </a:prstGeom>
+          <a:noFill/>
+        </p:spPr>
+        <p:txBody>
+          <a:bodyPr wrap="square">
+            <a:spAutoFit/>
+          </a:bodyPr>
+          <a:lstStyle/>
+          <a:p>
+            <a:r>
+              <a:rPr kumimoji="1" lang="ja-JP" altLang="en-US" dirty="0"/>
+              <a:t>多変量解析入門</a:t>
+            </a:r>
+            <a:r>
+              <a:rPr kumimoji="1" lang="en-US" altLang="ja-JP" dirty="0"/>
+              <a:t>(</a:t>
+            </a:r>
+            <a:r>
+              <a:rPr kumimoji="1" lang="ja-JP" altLang="en-US" dirty="0"/>
+              <a:t>小西貞則</a:t>
+            </a:r>
+            <a:r>
+              <a:rPr kumimoji="1" lang="en-US" altLang="ja-JP" dirty="0"/>
+              <a:t>)</a:t>
+            </a:r>
+            <a:endParaRPr kumimoji="1" lang="ja-JP" altLang="en-US" dirty="0"/>
+          </a:p>
+        </p:txBody>
+      </p:sp>
+    </p:spTree>
+    <p:extLst>
+      <p:ext uri="{BB962C8B-B14F-4D97-AF65-F5344CB8AC3E}">
+        <p14:creationId xmlns:p14="http://schemas.microsoft.com/office/powerpoint/2010/main" val="1491189706"/>
       </p:ext>
     </p:extLst>
   </p:cSld>
@@ -19246,6 +19412,58 @@
           </a:extLst>
         </p:spPr>
       </p:pic>
+      <p:sp>
+        <p:nvSpPr>
+          <p:cNvPr id="4" name="テキスト ボックス 3">
+            <a:extLst>
+              <a:ext uri="{FF2B5EF4-FFF2-40B4-BE49-F238E27FC236}">
+                <a16:creationId xmlns:a16="http://schemas.microsoft.com/office/drawing/2014/main" id="{867367CA-164D-CE1C-8C65-866205DB4626}"/>
+              </a:ext>
+            </a:extLst>
+          </p:cNvPr>
+          <p:cNvSpPr txBox="1"/>
+          <p:nvPr/>
+        </p:nvSpPr>
+        <p:spPr>
+          <a:xfrm>
+            <a:off x="9690527" y="3005388"/>
+            <a:ext cx="2159726" cy="307777"/>
+          </a:xfrm>
+          <a:prstGeom prst="rect">
+            <a:avLst/>
+          </a:prstGeom>
+          <a:noFill/>
+        </p:spPr>
+        <p:txBody>
+          <a:bodyPr wrap="square" rtlCol="0">
+            <a:spAutoFit/>
+          </a:bodyPr>
+          <a:lstStyle/>
+          <a:p>
+            <a:r>
+              <a:rPr kumimoji="1" lang="en-US" altLang="ja-JP" sz="700" dirty="0"/>
+              <a:t>https://ja.wikipedia.org/wiki/</a:t>
+            </a:r>
+            <a:r>
+              <a:rPr kumimoji="1" lang="ja-JP" altLang="en-US" sz="700" dirty="0"/>
+              <a:t>サポートベクターマシン</a:t>
+            </a:r>
+            <a:r>
+              <a:rPr kumimoji="1" lang="en-US" altLang="ja-JP" sz="700" dirty="0"/>
+              <a:t>#/media/</a:t>
+            </a:r>
+            <a:r>
+              <a:rPr kumimoji="1" lang="ja-JP" altLang="en-US" sz="700" dirty="0"/>
+              <a:t>ファイル</a:t>
+            </a:r>
+            <a:r>
+              <a:rPr kumimoji="1" lang="en-US" altLang="ja-JP" sz="700" dirty="0"/>
+              <a:t>:SVM_margin.png</a:t>
+            </a:r>
+            <a:endParaRPr kumimoji="1" lang="ja-JP" altLang="en-US" sz="700" dirty="0"/>
+          </a:p>
+        </p:txBody>
+      </p:sp>
     </p:spTree>
     <p:extLst>
       <p:ext uri="{BB962C8B-B14F-4D97-AF65-F5344CB8AC3E}">

--- a/resource/サポートベクターマシン(SVM).pptx
+++ b/resource/サポートベクターマシン(SVM).pptx
@@ -18033,10 +18033,10 @@
           <a:lstStyle/>
           <a:p>
             <a:r>
-              <a:rPr lang="ja-JP" altLang="en-US"/>
+              <a:rPr lang="ja-JP" altLang="en-US" dirty="0"/>
               <a:t>そのうちまとめる</a:t>
             </a:r>
-            <a:endParaRPr kumimoji="1" lang="ja-JP" altLang="en-US"/>
+            <a:endParaRPr kumimoji="1" lang="ja-JP" altLang="en-US" dirty="0"/>
           </a:p>
         </p:txBody>
       </p:sp>
